--- a/SqlServer/PPT & Notes/Transactions & Locks/Transaction Overview.pptx
+++ b/SqlServer/PPT & Notes/Transactions & Locks/Transaction Overview.pptx
@@ -109,6 +109,22 @@
       </a:defRPr>
     </a:lvl9pPr>
   </p:defaultTextStyle>
+  <p:extLst>
+    <p:ext uri="{EFAFB233-063F-42B5-8137-9DF3F51BA10A}">
+      <p15:sldGuideLst xmlns:p15="http://schemas.microsoft.com/office/powerpoint/2012/main">
+        <p15:guide id="1" orient="horz" pos="2160">
+          <p15:clr>
+            <a:srgbClr val="A4A3A4"/>
+          </p15:clr>
+        </p15:guide>
+        <p15:guide id="2" pos="2880">
+          <p15:clr>
+            <a:srgbClr val="A4A3A4"/>
+          </p15:clr>
+        </p15:guide>
+      </p15:sldGuideLst>
+    </p:ext>
+  </p:extLst>
 </p:presentation>
 </file>
 
@@ -301,10 +317,9 @@
           </a:lstStyle>
           <a:p>
             <a:r>
-              <a:rPr kumimoji="0" lang="en-US" smtClean="0"/>
+              <a:rPr kumimoji="0" lang="en-US"/>
               <a:t>Click to edit Master title style</a:t>
             </a:r>
-            <a:endParaRPr kumimoji="0" lang="en-US"/>
           </a:p>
         </p:txBody>
       </p:sp>
@@ -364,10 +379,9 @@
           </a:lstStyle>
           <a:p>
             <a:r>
-              <a:rPr kumimoji="0" lang="en-US" smtClean="0"/>
+              <a:rPr kumimoji="0" lang="en-US"/>
               <a:t>Click to edit Master subtitle style</a:t>
             </a:r>
-            <a:endParaRPr kumimoji="0" lang="en-US"/>
           </a:p>
         </p:txBody>
       </p:sp>
@@ -404,7 +418,7 @@
             <a:fld id="{1D8BD707-D9CF-40AE-B4C6-C98DA3205C09}" type="datetimeFigureOut">
               <a:rPr lang="en-US" smtClean="0"/>
               <a:pPr/>
-              <a:t>4/26/2012</a:t>
+              <a:t>8/9/2024</a:t>
             </a:fld>
             <a:endParaRPr lang="en-US"/>
           </a:p>
@@ -520,10 +534,9 @@
           <a:lstStyle/>
           <a:p>
             <a:r>
-              <a:rPr kumimoji="0" lang="en-US" smtClean="0"/>
+              <a:rPr kumimoji="0" lang="en-US"/>
               <a:t>Click to edit Master title style</a:t>
             </a:r>
-            <a:endParaRPr kumimoji="0" lang="en-US"/>
           </a:p>
         </p:txBody>
       </p:sp>
@@ -544,35 +557,35 @@
           <a:p>
             <a:pPr lvl="0" eaLnBrk="1" latinLnBrk="0" hangingPunct="1"/>
             <a:r>
-              <a:rPr lang="en-US" smtClean="0"/>
+              <a:rPr lang="en-US"/>
               <a:t>Click to edit Master text styles</a:t>
             </a:r>
           </a:p>
           <a:p>
             <a:pPr lvl="1" eaLnBrk="1" latinLnBrk="0" hangingPunct="1"/>
             <a:r>
-              <a:rPr lang="en-US" smtClean="0"/>
+              <a:rPr lang="en-US"/>
               <a:t>Second level</a:t>
             </a:r>
           </a:p>
           <a:p>
             <a:pPr lvl="2" eaLnBrk="1" latinLnBrk="0" hangingPunct="1"/>
             <a:r>
-              <a:rPr lang="en-US" smtClean="0"/>
+              <a:rPr lang="en-US"/>
               <a:t>Third level</a:t>
             </a:r>
           </a:p>
           <a:p>
             <a:pPr lvl="3" eaLnBrk="1" latinLnBrk="0" hangingPunct="1"/>
             <a:r>
-              <a:rPr lang="en-US" smtClean="0"/>
+              <a:rPr lang="en-US"/>
               <a:t>Fourth level</a:t>
             </a:r>
           </a:p>
           <a:p>
             <a:pPr lvl="4" eaLnBrk="1" latinLnBrk="0" hangingPunct="1"/>
             <a:r>
-              <a:rPr lang="en-US" smtClean="0"/>
+              <a:rPr lang="en-US"/>
               <a:t>Fifth level</a:t>
             </a:r>
             <a:endParaRPr kumimoji="0" lang="en-US"/>
@@ -597,7 +610,7 @@
             <a:fld id="{1D8BD707-D9CF-40AE-B4C6-C98DA3205C09}" type="datetimeFigureOut">
               <a:rPr lang="en-US" smtClean="0"/>
               <a:pPr/>
-              <a:t>4/26/2012</a:t>
+              <a:t>8/9/2024</a:t>
             </a:fld>
             <a:endParaRPr lang="en-US"/>
           </a:p>
@@ -697,10 +710,9 @@
           <a:lstStyle/>
           <a:p>
             <a:r>
-              <a:rPr kumimoji="0" lang="en-US" smtClean="0"/>
+              <a:rPr kumimoji="0" lang="en-US"/>
               <a:t>Click to edit Master title style</a:t>
             </a:r>
-            <a:endParaRPr kumimoji="0" lang="en-US"/>
           </a:p>
         </p:txBody>
       </p:sp>
@@ -726,35 +738,35 @@
           <a:p>
             <a:pPr lvl="0" eaLnBrk="1" latinLnBrk="0" hangingPunct="1"/>
             <a:r>
-              <a:rPr lang="en-US" smtClean="0"/>
+              <a:rPr lang="en-US"/>
               <a:t>Click to edit Master text styles</a:t>
             </a:r>
           </a:p>
           <a:p>
             <a:pPr lvl="1" eaLnBrk="1" latinLnBrk="0" hangingPunct="1"/>
             <a:r>
-              <a:rPr lang="en-US" smtClean="0"/>
+              <a:rPr lang="en-US"/>
               <a:t>Second level</a:t>
             </a:r>
           </a:p>
           <a:p>
             <a:pPr lvl="2" eaLnBrk="1" latinLnBrk="0" hangingPunct="1"/>
             <a:r>
-              <a:rPr lang="en-US" smtClean="0"/>
+              <a:rPr lang="en-US"/>
               <a:t>Third level</a:t>
             </a:r>
           </a:p>
           <a:p>
             <a:pPr lvl="3" eaLnBrk="1" latinLnBrk="0" hangingPunct="1"/>
             <a:r>
-              <a:rPr lang="en-US" smtClean="0"/>
+              <a:rPr lang="en-US"/>
               <a:t>Fourth level</a:t>
             </a:r>
           </a:p>
           <a:p>
             <a:pPr lvl="4" eaLnBrk="1" latinLnBrk="0" hangingPunct="1"/>
             <a:r>
-              <a:rPr lang="en-US" smtClean="0"/>
+              <a:rPr lang="en-US"/>
               <a:t>Fifth level</a:t>
             </a:r>
             <a:endParaRPr kumimoji="0" lang="en-US"/>
@@ -784,7 +796,7 @@
             <a:fld id="{1D8BD707-D9CF-40AE-B4C6-C98DA3205C09}" type="datetimeFigureOut">
               <a:rPr lang="en-US" smtClean="0"/>
               <a:pPr/>
-              <a:t>4/26/2012</a:t>
+              <a:t>8/9/2024</a:t>
             </a:fld>
             <a:endParaRPr lang="en-US"/>
           </a:p>
@@ -1024,10 +1036,9 @@
           <a:lstStyle/>
           <a:p>
             <a:r>
-              <a:rPr kumimoji="0" lang="en-US" smtClean="0"/>
+              <a:rPr kumimoji="0" lang="en-US"/>
               <a:t>Click to edit Master title style</a:t>
             </a:r>
-            <a:endParaRPr kumimoji="0" lang="en-US"/>
           </a:p>
         </p:txBody>
       </p:sp>
@@ -1049,7 +1060,7 @@
             <a:fld id="{1D8BD707-D9CF-40AE-B4C6-C98DA3205C09}" type="datetimeFigureOut">
               <a:rPr lang="en-US" smtClean="0"/>
               <a:pPr/>
-              <a:t>4/26/2012</a:t>
+              <a:t>8/9/2024</a:t>
             </a:fld>
             <a:endParaRPr lang="en-US"/>
           </a:p>
@@ -1128,35 +1139,35 @@
           <a:p>
             <a:pPr lvl="0" eaLnBrk="1" latinLnBrk="0" hangingPunct="1"/>
             <a:r>
-              <a:rPr lang="en-US" smtClean="0"/>
+              <a:rPr lang="en-US"/>
               <a:t>Click to edit Master text styles</a:t>
             </a:r>
           </a:p>
           <a:p>
             <a:pPr lvl="1" eaLnBrk="1" latinLnBrk="0" hangingPunct="1"/>
             <a:r>
-              <a:rPr lang="en-US" smtClean="0"/>
+              <a:rPr lang="en-US"/>
               <a:t>Second level</a:t>
             </a:r>
           </a:p>
           <a:p>
             <a:pPr lvl="2" eaLnBrk="1" latinLnBrk="0" hangingPunct="1"/>
             <a:r>
-              <a:rPr lang="en-US" smtClean="0"/>
+              <a:rPr lang="en-US"/>
               <a:t>Third level</a:t>
             </a:r>
           </a:p>
           <a:p>
             <a:pPr lvl="3" eaLnBrk="1" latinLnBrk="0" hangingPunct="1"/>
             <a:r>
-              <a:rPr lang="en-US" smtClean="0"/>
+              <a:rPr lang="en-US"/>
               <a:t>Fourth level</a:t>
             </a:r>
           </a:p>
           <a:p>
             <a:pPr lvl="4" eaLnBrk="1" latinLnBrk="0" hangingPunct="1"/>
             <a:r>
-              <a:rPr lang="en-US" smtClean="0"/>
+              <a:rPr lang="en-US"/>
               <a:t>Fifth level</a:t>
             </a:r>
             <a:endParaRPr kumimoji="0" lang="en-US"/>
@@ -1264,7 +1275,7 @@
           <a:p>
             <a:pPr lvl="0" eaLnBrk="1" latinLnBrk="0" hangingPunct="1"/>
             <a:r>
-              <a:rPr kumimoji="0" lang="en-US" smtClean="0"/>
+              <a:rPr kumimoji="0" lang="en-US"/>
               <a:t>Click to edit Master text styles</a:t>
             </a:r>
           </a:p>
@@ -1442,10 +1453,9 @@
           </a:lstStyle>
           <a:p>
             <a:r>
-              <a:rPr kumimoji="0" lang="en-US" smtClean="0"/>
+              <a:rPr kumimoji="0" lang="en-US"/>
               <a:t>Click to edit Master title style</a:t>
             </a:r>
-            <a:endParaRPr kumimoji="0" lang="en-US"/>
           </a:p>
         </p:txBody>
       </p:sp>
@@ -1467,7 +1477,7 @@
             <a:fld id="{1D8BD707-D9CF-40AE-B4C6-C98DA3205C09}" type="datetimeFigureOut">
               <a:rPr lang="en-US" smtClean="0"/>
               <a:pPr/>
-              <a:t>4/26/2012</a:t>
+              <a:t>8/9/2024</a:t>
             </a:fld>
             <a:endParaRPr lang="en-US"/>
           </a:p>
@@ -1572,10 +1582,9 @@
           <a:lstStyle/>
           <a:p>
             <a:r>
-              <a:rPr kumimoji="0" lang="en-US" smtClean="0"/>
+              <a:rPr kumimoji="0" lang="en-US"/>
               <a:t>Click to edit Master title style</a:t>
             </a:r>
-            <a:endParaRPr kumimoji="0" lang="en-US"/>
           </a:p>
         </p:txBody>
       </p:sp>
@@ -1601,35 +1610,35 @@
           <a:p>
             <a:pPr lvl="0" eaLnBrk="1" latinLnBrk="0" hangingPunct="1"/>
             <a:r>
-              <a:rPr lang="en-US" smtClean="0"/>
+              <a:rPr lang="en-US"/>
               <a:t>Click to edit Master text styles</a:t>
             </a:r>
           </a:p>
           <a:p>
             <a:pPr lvl="1" eaLnBrk="1" latinLnBrk="0" hangingPunct="1"/>
             <a:r>
-              <a:rPr lang="en-US" smtClean="0"/>
+              <a:rPr lang="en-US"/>
               <a:t>Second level</a:t>
             </a:r>
           </a:p>
           <a:p>
             <a:pPr lvl="2" eaLnBrk="1" latinLnBrk="0" hangingPunct="1"/>
             <a:r>
-              <a:rPr lang="en-US" smtClean="0"/>
+              <a:rPr lang="en-US"/>
               <a:t>Third level</a:t>
             </a:r>
           </a:p>
           <a:p>
             <a:pPr lvl="3" eaLnBrk="1" latinLnBrk="0" hangingPunct="1"/>
             <a:r>
-              <a:rPr lang="en-US" smtClean="0"/>
+              <a:rPr lang="en-US"/>
               <a:t>Fourth level</a:t>
             </a:r>
           </a:p>
           <a:p>
             <a:pPr lvl="4" eaLnBrk="1" latinLnBrk="0" hangingPunct="1"/>
             <a:r>
-              <a:rPr lang="en-US" smtClean="0"/>
+              <a:rPr lang="en-US"/>
               <a:t>Fifth level</a:t>
             </a:r>
             <a:endParaRPr kumimoji="0" lang="en-US"/>
@@ -1658,35 +1667,35 @@
           <a:p>
             <a:pPr lvl="0" eaLnBrk="1" latinLnBrk="0" hangingPunct="1"/>
             <a:r>
-              <a:rPr lang="en-US" smtClean="0"/>
+              <a:rPr lang="en-US"/>
               <a:t>Click to edit Master text styles</a:t>
             </a:r>
           </a:p>
           <a:p>
             <a:pPr lvl="1" eaLnBrk="1" latinLnBrk="0" hangingPunct="1"/>
             <a:r>
-              <a:rPr lang="en-US" smtClean="0"/>
+              <a:rPr lang="en-US"/>
               <a:t>Second level</a:t>
             </a:r>
           </a:p>
           <a:p>
             <a:pPr lvl="2" eaLnBrk="1" latinLnBrk="0" hangingPunct="1"/>
             <a:r>
-              <a:rPr lang="en-US" smtClean="0"/>
+              <a:rPr lang="en-US"/>
               <a:t>Third level</a:t>
             </a:r>
           </a:p>
           <a:p>
             <a:pPr lvl="3" eaLnBrk="1" latinLnBrk="0" hangingPunct="1"/>
             <a:r>
-              <a:rPr lang="en-US" smtClean="0"/>
+              <a:rPr lang="en-US"/>
               <a:t>Fourth level</a:t>
             </a:r>
           </a:p>
           <a:p>
             <a:pPr lvl="4" eaLnBrk="1" latinLnBrk="0" hangingPunct="1"/>
             <a:r>
-              <a:rPr lang="en-US" smtClean="0"/>
+              <a:rPr lang="en-US"/>
               <a:t>Fifth level</a:t>
             </a:r>
             <a:endParaRPr kumimoji="0" lang="en-US"/>
@@ -1711,7 +1720,7 @@
             <a:fld id="{1D8BD707-D9CF-40AE-B4C6-C98DA3205C09}" type="datetimeFigureOut">
               <a:rPr lang="en-US" smtClean="0"/>
               <a:pPr/>
-              <a:t>4/26/2012</a:t>
+              <a:t>8/9/2024</a:t>
             </a:fld>
             <a:endParaRPr lang="en-US"/>
           </a:p>
@@ -1810,10 +1819,9 @@
           </a:lstStyle>
           <a:p>
             <a:r>
-              <a:rPr kumimoji="0" lang="en-US" smtClean="0"/>
+              <a:rPr kumimoji="0" lang="en-US"/>
               <a:t>Click to edit Master title style</a:t>
             </a:r>
-            <a:endParaRPr kumimoji="0" lang="en-US"/>
           </a:p>
         </p:txBody>
       </p:sp>
@@ -1839,35 +1847,35 @@
           <a:p>
             <a:pPr lvl="0" eaLnBrk="1" latinLnBrk="0" hangingPunct="1"/>
             <a:r>
-              <a:rPr lang="en-US" smtClean="0"/>
+              <a:rPr lang="en-US"/>
               <a:t>Click to edit Master text styles</a:t>
             </a:r>
           </a:p>
           <a:p>
             <a:pPr lvl="1" eaLnBrk="1" latinLnBrk="0" hangingPunct="1"/>
             <a:r>
-              <a:rPr lang="en-US" smtClean="0"/>
+              <a:rPr lang="en-US"/>
               <a:t>Second level</a:t>
             </a:r>
           </a:p>
           <a:p>
             <a:pPr lvl="2" eaLnBrk="1" latinLnBrk="0" hangingPunct="1"/>
             <a:r>
-              <a:rPr lang="en-US" smtClean="0"/>
+              <a:rPr lang="en-US"/>
               <a:t>Third level</a:t>
             </a:r>
           </a:p>
           <a:p>
             <a:pPr lvl="3" eaLnBrk="1" latinLnBrk="0" hangingPunct="1"/>
             <a:r>
-              <a:rPr lang="en-US" smtClean="0"/>
+              <a:rPr lang="en-US"/>
               <a:t>Fourth level</a:t>
             </a:r>
           </a:p>
           <a:p>
             <a:pPr lvl="4" eaLnBrk="1" latinLnBrk="0" hangingPunct="1"/>
             <a:r>
-              <a:rPr lang="en-US" smtClean="0"/>
+              <a:rPr lang="en-US"/>
               <a:t>Fifth level</a:t>
             </a:r>
             <a:endParaRPr kumimoji="0" lang="en-US"/>
@@ -1896,35 +1904,35 @@
           <a:p>
             <a:pPr lvl="0" eaLnBrk="1" latinLnBrk="0" hangingPunct="1"/>
             <a:r>
-              <a:rPr lang="en-US" smtClean="0"/>
+              <a:rPr lang="en-US"/>
               <a:t>Click to edit Master text styles</a:t>
             </a:r>
           </a:p>
           <a:p>
             <a:pPr lvl="1" eaLnBrk="1" latinLnBrk="0" hangingPunct="1"/>
             <a:r>
-              <a:rPr lang="en-US" smtClean="0"/>
+              <a:rPr lang="en-US"/>
               <a:t>Second level</a:t>
             </a:r>
           </a:p>
           <a:p>
             <a:pPr lvl="2" eaLnBrk="1" latinLnBrk="0" hangingPunct="1"/>
             <a:r>
-              <a:rPr lang="en-US" smtClean="0"/>
+              <a:rPr lang="en-US"/>
               <a:t>Third level</a:t>
             </a:r>
           </a:p>
           <a:p>
             <a:pPr lvl="3" eaLnBrk="1" latinLnBrk="0" hangingPunct="1"/>
             <a:r>
-              <a:rPr lang="en-US" smtClean="0"/>
+              <a:rPr lang="en-US"/>
               <a:t>Fourth level</a:t>
             </a:r>
           </a:p>
           <a:p>
             <a:pPr lvl="4" eaLnBrk="1" latinLnBrk="0" hangingPunct="1"/>
             <a:r>
-              <a:rPr lang="en-US" smtClean="0"/>
+              <a:rPr lang="en-US"/>
               <a:t>Fifth level</a:t>
             </a:r>
             <a:endParaRPr kumimoji="0" lang="en-US"/>
@@ -1949,7 +1957,7 @@
             <a:fld id="{1D8BD707-D9CF-40AE-B4C6-C98DA3205C09}" type="datetimeFigureOut">
               <a:rPr lang="en-US" smtClean="0"/>
               <a:pPr/>
-              <a:t>4/26/2012</a:t>
+              <a:t>8/9/2024</a:t>
             </a:fld>
             <a:endParaRPr lang="en-US"/>
           </a:p>
@@ -2033,7 +2041,7 @@
           <a:p>
             <a:pPr lvl="0" eaLnBrk="1" latinLnBrk="0" hangingPunct="1"/>
             <a:r>
-              <a:rPr kumimoji="0" lang="en-US" smtClean="0"/>
+              <a:rPr kumimoji="0" lang="en-US"/>
               <a:t>Click to edit Master text styles</a:t>
             </a:r>
           </a:p>
@@ -2074,7 +2082,7 @@
           <a:p>
             <a:pPr lvl="0" eaLnBrk="1" latinLnBrk="0" hangingPunct="1"/>
             <a:r>
-              <a:rPr kumimoji="0" lang="en-US" smtClean="0"/>
+              <a:rPr kumimoji="0" lang="en-US"/>
               <a:t>Click to edit Master text styles</a:t>
             </a:r>
           </a:p>
@@ -2121,10 +2129,9 @@
           <a:lstStyle/>
           <a:p>
             <a:r>
-              <a:rPr kumimoji="0" lang="en-US" smtClean="0"/>
+              <a:rPr kumimoji="0" lang="en-US"/>
               <a:t>Click to edit Master title style</a:t>
             </a:r>
-            <a:endParaRPr kumimoji="0" lang="en-US"/>
           </a:p>
         </p:txBody>
       </p:sp>
@@ -2146,7 +2153,7 @@
             <a:fld id="{1D8BD707-D9CF-40AE-B4C6-C98DA3205C09}" type="datetimeFigureOut">
               <a:rPr lang="en-US" smtClean="0"/>
               <a:pPr/>
-              <a:t>4/26/2012</a:t>
+              <a:t>8/9/2024</a:t>
             </a:fld>
             <a:endParaRPr lang="en-US"/>
           </a:p>
@@ -2246,7 +2253,7 @@
             <a:fld id="{1D8BD707-D9CF-40AE-B4C6-C98DA3205C09}" type="datetimeFigureOut">
               <a:rPr lang="en-US" smtClean="0"/>
               <a:pPr/>
-              <a:t>4/26/2012</a:t>
+              <a:t>8/9/2024</a:t>
             </a:fld>
             <a:endParaRPr lang="en-US"/>
           </a:p>
@@ -2359,10 +2366,9 @@
           </a:lstStyle>
           <a:p>
             <a:r>
-              <a:rPr kumimoji="0" lang="en-US" smtClean="0"/>
+              <a:rPr kumimoji="0" lang="en-US"/>
               <a:t>Click to edit Master title style</a:t>
             </a:r>
-            <a:endParaRPr kumimoji="0" lang="en-US"/>
           </a:p>
         </p:txBody>
       </p:sp>
@@ -2384,7 +2390,7 @@
             <a:fld id="{1D8BD707-D9CF-40AE-B4C6-C98DA3205C09}" type="datetimeFigureOut">
               <a:rPr lang="en-US" smtClean="0"/>
               <a:pPr/>
-              <a:t>4/26/2012</a:t>
+              <a:t>8/9/2024</a:t>
             </a:fld>
             <a:endParaRPr lang="en-US"/>
           </a:p>
@@ -2509,7 +2515,7 @@
           <a:p>
             <a:pPr lvl="0" eaLnBrk="1" latinLnBrk="0" hangingPunct="1"/>
             <a:r>
-              <a:rPr kumimoji="0" lang="en-US" smtClean="0"/>
+              <a:rPr kumimoji="0" lang="en-US"/>
               <a:t>Click to edit Master text styles</a:t>
             </a:r>
           </a:p>
@@ -2537,35 +2543,35 @@
           <a:p>
             <a:pPr lvl="0" eaLnBrk="1" latinLnBrk="0" hangingPunct="1"/>
             <a:r>
-              <a:rPr lang="en-US" smtClean="0"/>
+              <a:rPr lang="en-US"/>
               <a:t>Click to edit Master text styles</a:t>
             </a:r>
           </a:p>
           <a:p>
             <a:pPr lvl="1" eaLnBrk="1" latinLnBrk="0" hangingPunct="1"/>
             <a:r>
-              <a:rPr lang="en-US" smtClean="0"/>
+              <a:rPr lang="en-US"/>
               <a:t>Second level</a:t>
             </a:r>
           </a:p>
           <a:p>
             <a:pPr lvl="2" eaLnBrk="1" latinLnBrk="0" hangingPunct="1"/>
             <a:r>
-              <a:rPr lang="en-US" smtClean="0"/>
+              <a:rPr lang="en-US"/>
               <a:t>Third level</a:t>
             </a:r>
           </a:p>
           <a:p>
             <a:pPr lvl="3" eaLnBrk="1" latinLnBrk="0" hangingPunct="1"/>
             <a:r>
-              <a:rPr lang="en-US" smtClean="0"/>
+              <a:rPr lang="en-US"/>
               <a:t>Fourth level</a:t>
             </a:r>
           </a:p>
           <a:p>
             <a:pPr lvl="4" eaLnBrk="1" latinLnBrk="0" hangingPunct="1"/>
             <a:r>
-              <a:rPr lang="en-US" smtClean="0"/>
+              <a:rPr lang="en-US"/>
               <a:t>Fifth level</a:t>
             </a:r>
             <a:endParaRPr kumimoji="0" lang="en-US"/>
@@ -2650,7 +2656,7 @@
           <a:p>
             <a:pPr lvl="0" eaLnBrk="1" latinLnBrk="0" hangingPunct="1"/>
             <a:r>
-              <a:rPr kumimoji="0" lang="en-US" smtClean="0"/>
+              <a:rPr kumimoji="0" lang="en-US"/>
               <a:t>Click to edit Master text styles</a:t>
             </a:r>
           </a:p>
@@ -2828,10 +2834,9 @@
           </a:lstStyle>
           <a:p>
             <a:r>
-              <a:rPr kumimoji="0" lang="en-US" smtClean="0"/>
+              <a:rPr kumimoji="0" lang="en-US"/>
               <a:t>Click to edit Master title style</a:t>
             </a:r>
-            <a:endParaRPr kumimoji="0" lang="en-US"/>
           </a:p>
         </p:txBody>
       </p:sp>
@@ -2904,7 +2909,7 @@
             <a:fld id="{1D8BD707-D9CF-40AE-B4C6-C98DA3205C09}" type="datetimeFigureOut">
               <a:rPr lang="en-US" smtClean="0"/>
               <a:pPr/>
-              <a:t>4/26/2012</a:t>
+              <a:t>8/9/2024</a:t>
             </a:fld>
             <a:endParaRPr lang="en-US"/>
           </a:p>
@@ -3001,7 +3006,7 @@
           </a:lstStyle>
           <a:p>
             <a:r>
-              <a:rPr kumimoji="0" lang="en-US" smtClean="0"/>
+              <a:rPr kumimoji="0" lang="en-US"/>
               <a:t>Click icon to add picture</a:t>
             </a:r>
             <a:endParaRPr kumimoji="0" lang="en-US" dirty="0"/>
@@ -3064,10 +3069,9 @@
           <a:lstStyle/>
           <a:p>
             <a:r>
-              <a:rPr kumimoji="0" lang="en-US" smtClean="0"/>
+              <a:rPr kumimoji="0" lang="en-US"/>
               <a:t>Click to edit Master title style</a:t>
             </a:r>
-            <a:endParaRPr kumimoji="0" lang="en-US"/>
           </a:p>
         </p:txBody>
       </p:sp>
@@ -3098,38 +3102,37 @@
           <a:p>
             <a:pPr lvl="0" eaLnBrk="1" latinLnBrk="0" hangingPunct="1"/>
             <a:r>
-              <a:rPr kumimoji="0" lang="en-US" smtClean="0"/>
+              <a:rPr kumimoji="0" lang="en-US"/>
               <a:t>Click to edit Master text styles</a:t>
             </a:r>
           </a:p>
           <a:p>
             <a:pPr lvl="1" eaLnBrk="1" latinLnBrk="0" hangingPunct="1"/>
             <a:r>
-              <a:rPr kumimoji="0" lang="en-US" smtClean="0"/>
+              <a:rPr kumimoji="0" lang="en-US"/>
               <a:t>Second level</a:t>
             </a:r>
           </a:p>
           <a:p>
             <a:pPr lvl="2" eaLnBrk="1" latinLnBrk="0" hangingPunct="1"/>
             <a:r>
-              <a:rPr kumimoji="0" lang="en-US" smtClean="0"/>
+              <a:rPr kumimoji="0" lang="en-US"/>
               <a:t>Third level</a:t>
             </a:r>
           </a:p>
           <a:p>
             <a:pPr lvl="3" eaLnBrk="1" latinLnBrk="0" hangingPunct="1"/>
             <a:r>
-              <a:rPr kumimoji="0" lang="en-US" smtClean="0"/>
+              <a:rPr kumimoji="0" lang="en-US"/>
               <a:t>Fourth level</a:t>
             </a:r>
           </a:p>
           <a:p>
             <a:pPr lvl="4" eaLnBrk="1" latinLnBrk="0" hangingPunct="1"/>
             <a:r>
-              <a:rPr kumimoji="0" lang="en-US" smtClean="0"/>
+              <a:rPr kumimoji="0" lang="en-US"/>
               <a:t>Fifth level</a:t>
             </a:r>
-            <a:endParaRPr kumimoji="0" lang="en-US"/>
           </a:p>
         </p:txBody>
       </p:sp>
@@ -3167,7 +3170,7 @@
             <a:fld id="{1D8BD707-D9CF-40AE-B4C6-C98DA3205C09}" type="datetimeFigureOut">
               <a:rPr lang="en-US" smtClean="0"/>
               <a:pPr/>
-              <a:t>4/26/2012</a:t>
+              <a:t>8/9/2024</a:t>
             </a:fld>
             <a:endParaRPr lang="en-US"/>
           </a:p>
@@ -3723,10 +3726,9 @@
           <a:lstStyle/>
           <a:p>
             <a:r>
-              <a:rPr lang="en-US" dirty="0" smtClean="0"/>
+              <a:rPr lang="en-US" dirty="0"/>
               <a:t>Transactions</a:t>
             </a:r>
-            <a:endParaRPr lang="en-US" dirty="0"/>
           </a:p>
         </p:txBody>
       </p:sp>
@@ -3748,42 +3750,46 @@
           <a:lstStyle/>
           <a:p>
             <a:r>
-              <a:rPr lang="en-US" dirty="0" smtClean="0"/>
+              <a:rPr lang="en-US" dirty="0"/>
               <a:t>To ensure data integrity we implement transactions</a:t>
             </a:r>
           </a:p>
           <a:p>
             <a:r>
-              <a:rPr lang="en-US" dirty="0" smtClean="0"/>
+              <a:rPr lang="en-US" dirty="0"/>
               <a:t>Transactions are required when we execute sequence  of operations together as a single unit.</a:t>
             </a:r>
           </a:p>
           <a:p>
             <a:r>
-              <a:rPr lang="en-US" dirty="0" smtClean="0"/>
-              <a:t>Transactions are two types in sqlserver 2005</a:t>
-            </a:r>
+              <a:rPr lang="en-US" dirty="0"/>
+              <a:t>Transactions are two types in </a:t>
+            </a:r>
+            <a:r>
+              <a:rPr lang="en-US" dirty="0" err="1"/>
+              <a:t>sqlserver</a:t>
+            </a:r>
+            <a:endParaRPr lang="en-US" dirty="0"/>
           </a:p>
           <a:p>
             <a:pPr lvl="1"/>
             <a:r>
-              <a:rPr lang="en-US" dirty="0" smtClean="0"/>
+              <a:rPr lang="en-US" dirty="0"/>
               <a:t>Autocommit Transactions</a:t>
             </a:r>
           </a:p>
           <a:p>
             <a:pPr lvl="1"/>
             <a:r>
-              <a:rPr lang="en-US" dirty="0" smtClean="0"/>
+              <a:rPr lang="en-US" dirty="0"/>
               <a:t>Explicit Transactions</a:t>
             </a:r>
           </a:p>
           <a:p>
             <a:r>
-              <a:rPr lang="en-US" dirty="0" smtClean="0"/>
+              <a:rPr lang="en-US" dirty="0"/>
               <a:t>Autocommit Transactions: These are default Transaction mode in Sql Server. Based on Completeness of every T-Sql statement, transactions are automatically committed or rollbacked.A statement is committed if it is completed successfully and it is rolled back it encounters an error</a:t>
             </a:r>
-            <a:endParaRPr lang="en-US" dirty="0"/>
           </a:p>
         </p:txBody>
       </p:sp>
@@ -3828,10 +3834,9 @@
           <a:lstStyle/>
           <a:p>
             <a:r>
-              <a:rPr lang="en-US" dirty="0" smtClean="0"/>
+              <a:rPr lang="en-US" dirty="0"/>
               <a:t>Transactions</a:t>
             </a:r>
-            <a:endParaRPr lang="en-US" dirty="0"/>
           </a:p>
         </p:txBody>
       </p:sp>
@@ -3853,7 +3858,7 @@
           <a:lstStyle/>
           <a:p>
             <a:r>
-              <a:rPr lang="en-US" dirty="0" smtClean="0">
+              <a:rPr lang="en-US" dirty="0">
                 <a:solidFill>
                   <a:srgbClr val="C00000"/>
                 </a:solidFill>
@@ -3861,13 +3866,13 @@
               <a:t>Explicit Transaction: </a:t>
             </a:r>
             <a:r>
-              <a:rPr lang="en-US" dirty="0" smtClean="0"/>
+              <a:rPr lang="en-US" dirty="0"/>
               <a:t>Explicit Transactions were called user-defined Transactions.</a:t>
             </a:r>
           </a:p>
           <a:p>
             <a:r>
-              <a:rPr lang="en-US" dirty="0" smtClean="0"/>
+              <a:rPr lang="en-US" dirty="0"/>
               <a:t>Explicit Transactions are specified by the </a:t>
             </a:r>
           </a:p>
@@ -3876,7 +3881,7 @@
               <a:buNone/>
             </a:pPr>
             <a:r>
-              <a:rPr lang="en-US" dirty="0" smtClean="0">
+              <a:rPr lang="en-US" dirty="0">
                 <a:solidFill>
                   <a:srgbClr val="C00000"/>
                 </a:solidFill>
@@ -3884,11 +3889,11 @@
               <a:t>BEGIN TRANSACTION </a:t>
             </a:r>
             <a:r>
-              <a:rPr lang="en-US" dirty="0" smtClean="0"/>
+              <a:rPr lang="en-US" dirty="0"/>
               <a:t>and </a:t>
             </a:r>
             <a:r>
-              <a:rPr lang="en-US" dirty="0" smtClean="0">
+              <a:rPr lang="en-US" dirty="0">
                 <a:solidFill>
                   <a:srgbClr val="C00000"/>
                 </a:solidFill>
@@ -3898,7 +3903,7 @@
           </a:p>
           <a:p>
             <a:r>
-              <a:rPr lang="en-US" dirty="0" smtClean="0">
+              <a:rPr lang="en-US" dirty="0">
                 <a:solidFill>
                   <a:srgbClr val="C00000"/>
                 </a:solidFill>
@@ -3906,7 +3911,7 @@
               <a:t>BEGIN TRANSACTION </a:t>
             </a:r>
             <a:r>
-              <a:rPr lang="en-US" dirty="0" smtClean="0"/>
+              <a:rPr lang="en-US" dirty="0"/>
               <a:t>state the start of transaction</a:t>
             </a:r>
           </a:p>
@@ -3915,7 +3920,7 @@
               <a:buNone/>
             </a:pPr>
             <a:r>
-              <a:rPr lang="en-US" dirty="0" smtClean="0">
+              <a:rPr lang="en-US" dirty="0">
                 <a:solidFill>
                   <a:srgbClr val="C00000"/>
                 </a:solidFill>
@@ -3928,7 +3933,7 @@
               <a:buNone/>
             </a:pPr>
             <a:r>
-              <a:rPr lang="en-US" dirty="0" smtClean="0"/>
+              <a:rPr lang="en-US" dirty="0"/>
               <a:t>	Begin Transaction  (or) Begin Tran transaction_name</a:t>
             </a:r>
           </a:p>
@@ -3939,7 +3944,7 @@
               </a:buClr>
             </a:pPr>
             <a:r>
-              <a:rPr lang="en-US" dirty="0" smtClean="0">
+              <a:rPr lang="en-US" dirty="0">
                 <a:solidFill>
                   <a:srgbClr val="C00000"/>
                 </a:solidFill>
@@ -3947,7 +3952,7 @@
               <a:t>COMMIT TRANSACTION </a:t>
             </a:r>
             <a:r>
-              <a:rPr lang="en-US" dirty="0" smtClean="0">
+              <a:rPr lang="en-US" dirty="0">
                 <a:solidFill>
                   <a:prstClr val="black"/>
                 </a:solidFill>
@@ -3963,7 +3968,7 @@
               <a:buNone/>
             </a:pPr>
             <a:r>
-              <a:rPr lang="en-US" dirty="0" smtClean="0">
+              <a:rPr lang="en-US" dirty="0">
                 <a:solidFill>
                   <a:srgbClr val="C00000"/>
                 </a:solidFill>
@@ -3978,7 +3983,7 @@
               </a:buClr>
             </a:pPr>
             <a:r>
-              <a:rPr lang="en-US" dirty="0" smtClean="0">
+              <a:rPr lang="en-US" dirty="0">
                 <a:solidFill>
                   <a:prstClr val="black"/>
                 </a:solidFill>
@@ -4033,10 +4038,9 @@
           <a:lstStyle/>
           <a:p>
             <a:r>
-              <a:rPr lang="en-US" dirty="0" smtClean="0"/>
+              <a:rPr lang="en-US" dirty="0"/>
               <a:t>Transactions</a:t>
             </a:r>
-            <a:endParaRPr lang="en-US" dirty="0"/>
           </a:p>
         </p:txBody>
       </p:sp>
@@ -4058,7 +4062,7 @@
           <a:lstStyle/>
           <a:p>
             <a:r>
-              <a:rPr lang="en-US" dirty="0" smtClean="0"/>
+              <a:rPr lang="en-US" dirty="0"/>
               <a:t>EX:</a:t>
             </a:r>
           </a:p>
@@ -4067,7 +4071,7 @@
               <a:buNone/>
             </a:pPr>
             <a:r>
-              <a:rPr lang="en-US" dirty="0" smtClean="0">
+              <a:rPr lang="en-US" dirty="0">
                 <a:solidFill>
                   <a:srgbClr val="C00000"/>
                 </a:solidFill>
@@ -4075,7 +4079,7 @@
               <a:t>Begin  Tran  </a:t>
             </a:r>
             <a:r>
-              <a:rPr lang="en-US" dirty="0" smtClean="0"/>
+              <a:rPr lang="en-US" dirty="0"/>
               <a:t>myTran</a:t>
             </a:r>
           </a:p>
@@ -4084,7 +4088,7 @@
               <a:buNone/>
             </a:pPr>
             <a:r>
-              <a:rPr lang="en-US" dirty="0" smtClean="0"/>
+              <a:rPr lang="en-US" dirty="0"/>
               <a:t>Select * from products</a:t>
             </a:r>
           </a:p>
@@ -4093,7 +4097,7 @@
               <a:buNone/>
             </a:pPr>
             <a:r>
-              <a:rPr lang="en-US" dirty="0" smtClean="0">
+              <a:rPr lang="en-US" dirty="0">
                 <a:solidFill>
                   <a:srgbClr val="C00000"/>
                 </a:solidFill>
@@ -4101,7 +4105,7 @@
               <a:t>Commit Tran </a:t>
             </a:r>
             <a:r>
-              <a:rPr lang="en-US" dirty="0" smtClean="0"/>
+              <a:rPr lang="en-US" dirty="0"/>
               <a:t>myTran</a:t>
             </a:r>
           </a:p>
@@ -4112,7 +4116,7 @@
               </a:buClr>
             </a:pPr>
             <a:r>
-              <a:rPr lang="en-US" dirty="0" smtClean="0">
+              <a:rPr lang="en-US" dirty="0">
                 <a:solidFill>
                   <a:prstClr val="black"/>
                 </a:solidFill>
@@ -4124,7 +4128,7 @@
             <a:pPr lvl="1">
               <a:buNone/>
             </a:pPr>
-            <a:endParaRPr lang="en-US" dirty="0" smtClean="0"/>
+            <a:endParaRPr lang="en-US" dirty="0"/>
           </a:p>
         </p:txBody>
       </p:sp>
@@ -4169,10 +4173,9 @@
           <a:lstStyle/>
           <a:p>
             <a:r>
-              <a:rPr lang="en-US" dirty="0" smtClean="0"/>
+              <a:rPr lang="en-US" dirty="0"/>
               <a:t>Transactions</a:t>
             </a:r>
-            <a:endParaRPr lang="en-US" dirty="0"/>
           </a:p>
         </p:txBody>
       </p:sp>
@@ -4194,7 +4197,7 @@
           <a:lstStyle/>
           <a:p>
             <a:r>
-              <a:rPr lang="en-US" dirty="0" smtClean="0"/>
+              <a:rPr lang="en-US" dirty="0"/>
               <a:t>The ROLLBACK TRANSACTION statement rolls back an explicit Transaction to the beginning of the transaction.</a:t>
             </a:r>
           </a:p>
@@ -4203,7 +4206,7 @@
               <a:buNone/>
             </a:pPr>
             <a:r>
-              <a:rPr lang="en-US" dirty="0" smtClean="0"/>
+              <a:rPr lang="en-US" dirty="0"/>
               <a:t>Syntax:</a:t>
             </a:r>
           </a:p>
@@ -4212,11 +4215,11 @@
               <a:buNone/>
             </a:pPr>
             <a:r>
-              <a:rPr lang="en-US" dirty="0" smtClean="0"/>
+              <a:rPr lang="en-US" dirty="0"/>
               <a:t>	</a:t>
             </a:r>
             <a:r>
-              <a:rPr lang="en-US" dirty="0" smtClean="0">
+              <a:rPr lang="en-US" dirty="0">
                 <a:solidFill>
                   <a:srgbClr val="C00000"/>
                 </a:solidFill>
@@ -4229,7 +4232,7 @@
               <a:buNone/>
             </a:pPr>
             <a:r>
-              <a:rPr lang="en-US" dirty="0" smtClean="0">
+              <a:rPr lang="en-US" dirty="0">
                 <a:solidFill>
                   <a:srgbClr val="C00000"/>
                 </a:solidFill>
@@ -4242,7 +4245,7 @@
               <a:buNone/>
             </a:pPr>
             <a:r>
-              <a:rPr lang="en-US" dirty="0" smtClean="0">
+              <a:rPr lang="en-US" dirty="0">
                 <a:solidFill>
                   <a:srgbClr val="C00000"/>
                 </a:solidFill>
@@ -4293,10 +4296,9 @@
           <a:lstStyle/>
           <a:p>
             <a:r>
-              <a:rPr lang="en-US" dirty="0" smtClean="0"/>
+              <a:rPr lang="en-US" dirty="0"/>
               <a:t>Transactions</a:t>
             </a:r>
-            <a:endParaRPr lang="en-US" dirty="0"/>
           </a:p>
         </p:txBody>
       </p:sp>
@@ -4318,7 +4320,7 @@
           <a:lstStyle/>
           <a:p>
             <a:r>
-              <a:rPr lang="en-US" dirty="0" smtClean="0">
+              <a:rPr lang="en-US" dirty="0">
                 <a:solidFill>
                   <a:srgbClr val="C00000"/>
                 </a:solidFill>
@@ -4331,7 +4333,7 @@
               <a:buNone/>
             </a:pPr>
             <a:r>
-              <a:rPr lang="en-US" dirty="0" smtClean="0">
+              <a:rPr lang="en-US" dirty="0">
                 <a:solidFill>
                   <a:srgbClr val="C00000"/>
                 </a:solidFill>
@@ -4344,7 +4346,7 @@
               <a:buNone/>
             </a:pPr>
             <a:r>
-              <a:rPr lang="en-US" dirty="0" smtClean="0">
+              <a:rPr lang="en-US" dirty="0">
                 <a:solidFill>
                   <a:srgbClr val="C00000"/>
                 </a:solidFill>
@@ -4357,7 +4359,7 @@
               <a:buNone/>
             </a:pPr>
             <a:r>
-              <a:rPr lang="en-US" dirty="0" smtClean="0"/>
+              <a:rPr lang="en-US" dirty="0"/>
               <a:t>Update customer set amt=amt- wamt  where custid=@custid</a:t>
             </a:r>
           </a:p>
@@ -4366,7 +4368,7 @@
               <a:buNone/>
             </a:pPr>
             <a:r>
-              <a:rPr lang="en-US" dirty="0" smtClean="0"/>
+              <a:rPr lang="en-US" dirty="0"/>
               <a:t>Update customer set amt=amt + damt where custid=@custid</a:t>
             </a:r>
           </a:p>
@@ -4375,7 +4377,7 @@
               <a:buNone/>
             </a:pPr>
             <a:r>
-              <a:rPr lang="en-US" dirty="0" smtClean="0">
+              <a:rPr lang="en-US" dirty="0">
                 <a:solidFill>
                   <a:srgbClr val="C00000"/>
                 </a:solidFill>
@@ -4388,7 +4390,7 @@
               <a:buNone/>
             </a:pPr>
             <a:r>
-              <a:rPr lang="en-US" dirty="0" smtClean="0">
+              <a:rPr lang="en-US" dirty="0">
                 <a:solidFill>
                   <a:srgbClr val="C00000"/>
                 </a:solidFill>
@@ -4396,7 +4398,7 @@
               <a:t>Print </a:t>
             </a:r>
             <a:r>
-              <a:rPr lang="en-US" dirty="0" smtClean="0"/>
+              <a:rPr lang="en-US" dirty="0"/>
               <a:t>‘transaction executed’</a:t>
             </a:r>
           </a:p>
@@ -4405,7 +4407,7 @@
               <a:buNone/>
             </a:pPr>
             <a:r>
-              <a:rPr lang="en-US" dirty="0" smtClean="0">
+              <a:rPr lang="en-US" dirty="0">
                 <a:solidFill>
                   <a:srgbClr val="C00000"/>
                 </a:solidFill>
@@ -4418,7 +4420,7 @@
               <a:buNone/>
             </a:pPr>
             <a:r>
-              <a:rPr lang="en-US" dirty="0" smtClean="0">
+              <a:rPr lang="en-US" dirty="0">
                 <a:solidFill>
                   <a:srgbClr val="C00000"/>
                 </a:solidFill>
@@ -4431,7 +4433,7 @@
               <a:buNone/>
             </a:pPr>
             <a:r>
-              <a:rPr lang="en-US" dirty="0" smtClean="0">
+              <a:rPr lang="en-US" dirty="0">
                 <a:solidFill>
                   <a:srgbClr val="C00000"/>
                 </a:solidFill>
@@ -4444,7 +4446,7 @@
               <a:buNone/>
             </a:pPr>
             <a:r>
-              <a:rPr lang="en-US" dirty="0" smtClean="0">
+              <a:rPr lang="en-US" dirty="0">
                 <a:solidFill>
                   <a:srgbClr val="C00000"/>
                 </a:solidFill>
@@ -4452,7 +4454,7 @@
               <a:t>Print </a:t>
             </a:r>
             <a:r>
-              <a:rPr lang="en-US" dirty="0" smtClean="0"/>
+              <a:rPr lang="en-US" dirty="0"/>
               <a:t>‘transaction rollbacked’</a:t>
             </a:r>
           </a:p>
@@ -4461,7 +4463,7 @@
               <a:buNone/>
             </a:pPr>
             <a:r>
-              <a:rPr lang="en-US" dirty="0" smtClean="0">
+              <a:rPr lang="en-US" dirty="0">
                 <a:solidFill>
                   <a:srgbClr val="C00000"/>
                 </a:solidFill>
@@ -4473,7 +4475,7 @@
             <a:pPr lvl="1">
               <a:buNone/>
             </a:pPr>
-            <a:endParaRPr lang="en-US" dirty="0" smtClean="0">
+            <a:endParaRPr lang="en-US" dirty="0">
               <a:solidFill>
                 <a:srgbClr val="C00000"/>
               </a:solidFill>
@@ -4522,10 +4524,9 @@
           <a:lstStyle/>
           <a:p>
             <a:r>
-              <a:rPr lang="en-US" dirty="0" smtClean="0"/>
+              <a:rPr lang="en-US" dirty="0"/>
               <a:t>Transactions</a:t>
             </a:r>
-            <a:endParaRPr lang="en-US" dirty="0"/>
           </a:p>
         </p:txBody>
       </p:sp>
@@ -4547,21 +4548,21 @@
           <a:lstStyle/>
           <a:p>
             <a:r>
-              <a:rPr lang="en-US" dirty="0" smtClean="0"/>
+              <a:rPr lang="en-US" dirty="0"/>
               <a:t>Locks: Locks are required when multiple </a:t>
             </a:r>
             <a:r>
-              <a:rPr lang="en-US" dirty="0" err="1" smtClean="0"/>
+              <a:rPr lang="en-US" dirty="0" err="1"/>
               <a:t>conncection</a:t>
             </a:r>
             <a:r>
-              <a:rPr lang="en-US" dirty="0" smtClean="0"/>
+              <a:rPr lang="en-US" dirty="0"/>
               <a:t> are trying to access the same database table or same database.</a:t>
             </a:r>
           </a:p>
           <a:p>
             <a:r>
-              <a:rPr lang="en-US" dirty="0" smtClean="0">
+              <a:rPr lang="en-US" dirty="0">
                 <a:solidFill>
                   <a:prstClr val="black"/>
                 </a:solidFill>
@@ -4572,7 +4573,7 @@
           <a:p>
             <a:pPr lvl="1"/>
             <a:r>
-              <a:rPr lang="en-US" dirty="0" smtClean="0">
+              <a:rPr lang="en-US" dirty="0">
                 <a:solidFill>
                   <a:prstClr val="black"/>
                 </a:solidFill>
@@ -4587,7 +4588,7 @@
               </a:buClr>
             </a:pPr>
             <a:r>
-              <a:rPr lang="en-US" dirty="0" smtClean="0">
+              <a:rPr lang="en-US" dirty="0">
                 <a:solidFill>
                   <a:prstClr val="black"/>
                 </a:solidFill>
@@ -4602,7 +4603,7 @@
               </a:buClr>
             </a:pPr>
             <a:r>
-              <a:rPr lang="en-US" b="1" dirty="0" smtClean="0"/>
+              <a:rPr lang="en-US" b="1" dirty="0"/>
               <a:t>Exclusive Lock X</a:t>
             </a:r>
           </a:p>
@@ -4613,7 +4614,7 @@
               </a:buClr>
             </a:pPr>
             <a:r>
-              <a:rPr lang="en-US" b="1" dirty="0" smtClean="0"/>
+              <a:rPr lang="en-US" b="1" dirty="0"/>
               <a:t>Shared Lock S</a:t>
             </a:r>
           </a:p>
@@ -4624,7 +4625,7 @@
               </a:buClr>
             </a:pPr>
             <a:r>
-              <a:rPr lang="en-US" b="1" smtClean="0"/>
+              <a:rPr lang="en-US" b="1"/>
               <a:t>Deadlocking</a:t>
             </a:r>
           </a:p>
@@ -4634,7 +4635,7 @@
                 <a:srgbClr val="0BD0D9"/>
               </a:buClr>
             </a:pPr>
-            <a:endParaRPr lang="en-US" dirty="0" smtClean="0">
+            <a:endParaRPr lang="en-US" dirty="0">
               <a:solidFill>
                 <a:prstClr val="black"/>
               </a:solidFill>
@@ -4644,7 +4645,7 @@
             <a:pPr lvl="1">
               <a:buNone/>
             </a:pPr>
-            <a:endParaRPr lang="en-US" dirty="0" smtClean="0">
+            <a:endParaRPr lang="en-US" dirty="0">
               <a:solidFill>
                 <a:prstClr val="black"/>
               </a:solidFill>
@@ -4654,7 +4655,7 @@
             <a:pPr lvl="1">
               <a:buNone/>
             </a:pPr>
-            <a:endParaRPr lang="en-US" dirty="0" smtClean="0"/>
+            <a:endParaRPr lang="en-US" dirty="0"/>
           </a:p>
         </p:txBody>
       </p:sp>
